--- a/src/main/java/com/danebrown/algtech/八皇后问题.pptx
+++ b/src/main/java/com/danebrown/algtech/八皇后问题.pptx
@@ -120,6 +120,11 @@
       </a:defRPr>
     </a:lvl9pPr>
   </p:defaultTextStyle>
+  <p:extLst>
+    <p:ext uri="{EFAFB233-063F-42B5-8137-9DF3F51BA10A}">
+      <p15:sldGuideLst xmlns:p15="http://schemas.microsoft.com/office/powerpoint/2012/main"/>
+    </p:ext>
+  </p:extLst>
 </p:presentation>
 </file>
 
@@ -205,7 +210,7 @@
           <a:p>
             <a:fld id="{EE1FAE9D-F6B1-134D-8CA9-7DB22A8359FA}" type="datetimeFigureOut">
               <a:rPr kumimoji="1" lang="zh-CN" altLang="en-US" smtClean="0"/>
-              <a:t>2022/11/11</a:t>
+              <a:t>2023/4/17</a:t>
             </a:fld>
             <a:endParaRPr kumimoji="1" lang="zh-CN" altLang="en-US"/>
           </a:p>
@@ -619,7 +624,7 @@
           <a:p>
             <a:fld id="{E93FF1A9-055D-EB48-A2D7-A7FD69FD42F1}" type="datetime1">
               <a:rPr kumimoji="1" lang="zh-CN" altLang="en-US" smtClean="0"/>
-              <a:t>2022/11/11</a:t>
+              <a:t>2023/4/17</a:t>
             </a:fld>
             <a:endParaRPr kumimoji="1" lang="zh-CN" altLang="en-US"/>
           </a:p>
@@ -829,7 +834,7 @@
           <a:p>
             <a:fld id="{D7196F6F-5FDC-AE4E-809C-EE8FE35ABCD4}" type="datetime1">
               <a:rPr kumimoji="1" lang="zh-CN" altLang="en-US" smtClean="0"/>
-              <a:t>2022/11/11</a:t>
+              <a:t>2023/4/17</a:t>
             </a:fld>
             <a:endParaRPr kumimoji="1" lang="zh-CN" altLang="en-US"/>
           </a:p>
@@ -1049,7 +1054,7 @@
           <a:p>
             <a:fld id="{F00CBDD8-91F9-8F4B-8B2E-6E897DCD59AF}" type="datetime1">
               <a:rPr kumimoji="1" lang="zh-CN" altLang="en-US" smtClean="0"/>
-              <a:t>2022/11/11</a:t>
+              <a:t>2023/4/17</a:t>
             </a:fld>
             <a:endParaRPr kumimoji="1" lang="zh-CN" altLang="en-US"/>
           </a:p>
@@ -1259,7 +1264,7 @@
           <a:p>
             <a:fld id="{6BFF5C14-901F-0944-AD56-CA6B18627D25}" type="datetime1">
               <a:rPr kumimoji="1" lang="zh-CN" altLang="en-US" smtClean="0"/>
-              <a:t>2022/11/11</a:t>
+              <a:t>2023/4/17</a:t>
             </a:fld>
             <a:endParaRPr kumimoji="1" lang="zh-CN" altLang="en-US"/>
           </a:p>
@@ -1546,7 +1551,7 @@
           <a:p>
             <a:fld id="{AA41125C-98D2-4B45-B1DF-85D7444AD342}" type="datetime1">
               <a:rPr kumimoji="1" lang="zh-CN" altLang="en-US" smtClean="0"/>
-              <a:t>2022/11/11</a:t>
+              <a:t>2023/4/17</a:t>
             </a:fld>
             <a:endParaRPr kumimoji="1" lang="zh-CN" altLang="en-US"/>
           </a:p>
@@ -1823,7 +1828,7 @@
           <a:p>
             <a:fld id="{ACAE190F-7057-3246-B6FB-0D2BC61C0423}" type="datetime1">
               <a:rPr kumimoji="1" lang="zh-CN" altLang="en-US" smtClean="0"/>
-              <a:t>2022/11/11</a:t>
+              <a:t>2023/4/17</a:t>
             </a:fld>
             <a:endParaRPr kumimoji="1" lang="zh-CN" altLang="en-US"/>
           </a:p>
@@ -2247,7 +2252,7 @@
           <a:p>
             <a:fld id="{7EE0840C-0139-264E-B25F-4EA9F5FA7C15}" type="datetime1">
               <a:rPr kumimoji="1" lang="zh-CN" altLang="en-US" smtClean="0"/>
-              <a:t>2022/11/11</a:t>
+              <a:t>2023/4/17</a:t>
             </a:fld>
             <a:endParaRPr kumimoji="1" lang="zh-CN" altLang="en-US"/>
           </a:p>
@@ -2400,7 +2405,7 @@
           <a:p>
             <a:fld id="{1A79564C-E067-0F45-87A7-70EACFEDBA39}" type="datetime1">
               <a:rPr kumimoji="1" lang="zh-CN" altLang="en-US" smtClean="0"/>
-              <a:t>2022/11/11</a:t>
+              <a:t>2023/4/17</a:t>
             </a:fld>
             <a:endParaRPr kumimoji="1" lang="zh-CN" altLang="en-US"/>
           </a:p>
@@ -2525,7 +2530,7 @@
           <a:p>
             <a:fld id="{78961C18-7941-784E-AB2F-BD9AAC01F643}" type="datetime1">
               <a:rPr kumimoji="1" lang="zh-CN" altLang="en-US" smtClean="0"/>
-              <a:t>2022/11/11</a:t>
+              <a:t>2023/4/17</a:t>
             </a:fld>
             <a:endParaRPr kumimoji="1" lang="zh-CN" altLang="en-US"/>
           </a:p>
@@ -3049,7 +3054,7 @@
           <a:p>
             <a:fld id="{297D9204-BB3D-914E-B9DD-165DFF0152B7}" type="datetime1">
               <a:rPr kumimoji="1" lang="zh-CN" altLang="en-US" smtClean="0"/>
-              <a:t>2022/11/11</a:t>
+              <a:t>2023/4/17</a:t>
             </a:fld>
             <a:endParaRPr kumimoji="1" lang="zh-CN" altLang="en-US"/>
           </a:p>
@@ -3349,7 +3354,7 @@
           <a:p>
             <a:fld id="{7402E95D-2494-5647-9C0D-1267CB79AE45}" type="datetime1">
               <a:rPr kumimoji="1" lang="zh-CN" altLang="en-US" smtClean="0"/>
-              <a:t>2022/11/11</a:t>
+              <a:t>2023/4/17</a:t>
             </a:fld>
             <a:endParaRPr kumimoji="1" lang="zh-CN" altLang="en-US"/>
           </a:p>
@@ -3602,7 +3607,7 @@
           <a:p>
             <a:fld id="{69BAEB56-61BC-C844-92D9-29224D7EBEF4}" type="datetime1">
               <a:rPr kumimoji="1" lang="zh-CN" altLang="en-US" smtClean="0"/>
-              <a:t>2022/11/11</a:t>
+              <a:t>2023/4/17</a:t>
             </a:fld>
             <a:endParaRPr kumimoji="1" lang="zh-CN" altLang="en-US"/>
           </a:p>
